--- a/4. Microservices with Spring Cloud/Day 5/Slides/3. Finding Services Using Service Discovery/finding-services-using-service-discovery-slides.pptx
+++ b/4. Microservices with Spring Cloud/Day 5/Slides/3. Finding Services Using Service Discovery/finding-services-using-service-discovery-slides.pptx
@@ -5,7 +5,7 @@
     <p:sldMasterId id="2147483648" r:id="rId1"/>
   </p:sldMasterIdLst>
   <p:notesMasterIdLst>
-    <p:notesMasterId r:id="rId62"/>
+    <p:notesMasterId r:id="rId35"/>
   </p:notesMasterIdLst>
   <p:sldIdLst>
     <p:sldId id="256" r:id="rId3"/>
@@ -40,33 +40,33 @@
     <p:sldId id="285" r:id="rId32"/>
     <p:sldId id="286" r:id="rId33"/>
     <p:sldId id="287" r:id="rId34"/>
-    <p:sldId id="288" r:id="rId35"/>
-    <p:sldId id="289" r:id="rId36"/>
-    <p:sldId id="290" r:id="rId37"/>
-    <p:sldId id="291" r:id="rId38"/>
-    <p:sldId id="292" r:id="rId39"/>
-    <p:sldId id="293" r:id="rId40"/>
-    <p:sldId id="294" r:id="rId41"/>
-    <p:sldId id="295" r:id="rId42"/>
-    <p:sldId id="296" r:id="rId43"/>
-    <p:sldId id="297" r:id="rId44"/>
-    <p:sldId id="298" r:id="rId45"/>
-    <p:sldId id="299" r:id="rId46"/>
-    <p:sldId id="300" r:id="rId47"/>
-    <p:sldId id="301" r:id="rId48"/>
-    <p:sldId id="302" r:id="rId49"/>
-    <p:sldId id="303" r:id="rId50"/>
-    <p:sldId id="304" r:id="rId51"/>
-    <p:sldId id="305" r:id="rId52"/>
-    <p:sldId id="306" r:id="rId53"/>
-    <p:sldId id="307" r:id="rId54"/>
-    <p:sldId id="314" r:id="rId55"/>
-    <p:sldId id="308" r:id="rId56"/>
-    <p:sldId id="309" r:id="rId57"/>
-    <p:sldId id="310" r:id="rId58"/>
-    <p:sldId id="311" r:id="rId59"/>
-    <p:sldId id="312" r:id="rId60"/>
-    <p:sldId id="313" r:id="rId61"/>
+    <p:sldId id="288" r:id="rId36"/>
+    <p:sldId id="289" r:id="rId37"/>
+    <p:sldId id="290" r:id="rId38"/>
+    <p:sldId id="291" r:id="rId39"/>
+    <p:sldId id="292" r:id="rId40"/>
+    <p:sldId id="293" r:id="rId41"/>
+    <p:sldId id="294" r:id="rId42"/>
+    <p:sldId id="295" r:id="rId43"/>
+    <p:sldId id="296" r:id="rId44"/>
+    <p:sldId id="297" r:id="rId45"/>
+    <p:sldId id="298" r:id="rId46"/>
+    <p:sldId id="299" r:id="rId47"/>
+    <p:sldId id="300" r:id="rId48"/>
+    <p:sldId id="301" r:id="rId49"/>
+    <p:sldId id="302" r:id="rId50"/>
+    <p:sldId id="303" r:id="rId51"/>
+    <p:sldId id="304" r:id="rId52"/>
+    <p:sldId id="305" r:id="rId53"/>
+    <p:sldId id="306" r:id="rId54"/>
+    <p:sldId id="307" r:id="rId55"/>
+    <p:sldId id="314" r:id="rId56"/>
+    <p:sldId id="308" r:id="rId57"/>
+    <p:sldId id="309" r:id="rId58"/>
+    <p:sldId id="310" r:id="rId59"/>
+    <p:sldId id="311" r:id="rId60"/>
+    <p:sldId id="312" r:id="rId61"/>
+    <p:sldId id="313" r:id="rId62"/>
   </p:sldIdLst>
   <p:sldSz cx="12192000" cy="6858000"/>
   <p:notesSz cx="12192000" cy="6858000"/>
@@ -517,6 +517,50 @@
 </p:notesMaster>
 </file>
 
+<file path=ppt/notesSlides/notesSlide1.xml><?xml version="1.0" encoding="utf-8"?>
+<p:notes xmlns:a="http://schemas.openxmlformats.org/drawingml/2006/main" xmlns:r="http://schemas.openxmlformats.org/officeDocument/2006/relationships" xmlns:p="http://schemas.openxmlformats.org/presentationml/2006/main">
+  <p:cSld>
+    <p:spTree>
+      <p:nvGrpSpPr>
+        <p:cNvPr id="1" name=""/>
+        <p:cNvGrpSpPr/>
+        <p:nvPr/>
+      </p:nvGrpSpPr>
+      <p:grpSpPr/>
+      <p:sp>
+        <p:nvSpPr>
+          <p:cNvPr id="2" name="Slide Image Placeholder 1"/>
+          <p:cNvSpPr/>
+          <p:nvPr>
+            <p:ph type="sldImg" idx="2"/>
+          </p:nvPr>
+        </p:nvSpPr>
+        <p:spPr/>
+      </p:sp>
+      <p:sp>
+        <p:nvSpPr>
+          <p:cNvPr id="3" name="Text Placeholder 2"/>
+          <p:cNvSpPr/>
+          <p:nvPr>
+            <p:ph type="body" idx="3"/>
+          </p:nvPr>
+        </p:nvSpPr>
+        <p:spPr/>
+        <p:txBody>
+          <a:bodyPr/>
+          <a:p>
+            <a:endParaRPr lang="en-US"/>
+          </a:p>
+        </p:txBody>
+      </p:sp>
+    </p:spTree>
+  </p:cSld>
+  <p:clrMapOvr>
+    <a:masterClrMapping/>
+  </p:clrMapOvr>
+</p:notes>
+</file>
+
 <file path=ppt/slideLayouts/slideLayout1.xml><?xml version="1.0" encoding="utf-8"?>
 <p:sldLayout xmlns:a="http://schemas.openxmlformats.org/drawingml/2006/main" xmlns:r="http://schemas.openxmlformats.org/officeDocument/2006/relationships" xmlns:p="http://schemas.openxmlformats.org/presentationml/2006/main" type="obj" preserve="1" showMasterSp="0">
   <p:cSld name="Title Slide">
@@ -544,34 +588,12 @@
       </p:grpSpPr>
       <p:pic>
         <p:nvPicPr>
-          <p:cNvPr id="16" name="bg object 16"/>
+          <p:cNvPr id="17" name="bg object 17"/>
           <p:cNvPicPr/>
           <p:nvPr/>
         </p:nvPicPr>
         <p:blipFill>
           <a:blip r:embed="rId2" cstate="print"/>
-          <a:stretch>
-            <a:fillRect/>
-          </a:stretch>
-        </p:blipFill>
-        <p:spPr>
-          <a:xfrm>
-            <a:off x="11495531" y="6184391"/>
-            <a:ext cx="451103" cy="449579"/>
-          </a:xfrm>
-          <a:prstGeom prst="rect">
-            <a:avLst/>
-          </a:prstGeom>
-        </p:spPr>
-      </p:pic>
-      <p:pic>
-        <p:nvPicPr>
-          <p:cNvPr id="17" name="bg object 17"/>
-          <p:cNvPicPr/>
-          <p:nvPr/>
-        </p:nvPicPr>
-        <p:blipFill>
-          <a:blip r:embed="rId3" cstate="print"/>
           <a:stretch>
             <a:fillRect/>
           </a:stretch>
@@ -1410,28 +1432,6 @@
           <a:chExt cx="0" cy="0"/>
         </a:xfrm>
       </p:grpSpPr>
-      <p:pic>
-        <p:nvPicPr>
-          <p:cNvPr id="16" name="bg object 16"/>
-          <p:cNvPicPr/>
-          <p:nvPr/>
-        </p:nvPicPr>
-        <p:blipFill>
-          <a:blip r:embed="rId6" cstate="print"/>
-          <a:stretch>
-            <a:fillRect/>
-          </a:stretch>
-        </p:blipFill>
-        <p:spPr>
-          <a:xfrm>
-            <a:off x="11495531" y="6184391"/>
-            <a:ext cx="451103" cy="449579"/>
-          </a:xfrm>
-          <a:prstGeom prst="rect">
-            <a:avLst/>
-          </a:prstGeom>
-        </p:spPr>
-      </p:pic>
       <p:sp>
         <p:nvSpPr>
           <p:cNvPr id="2" name="Holder 2"/>
@@ -4018,28 +4018,6 @@
           </a:p>
         </p:txBody>
       </p:sp>
-      <p:pic>
-        <p:nvPicPr>
-          <p:cNvPr id="3" name="object 3"/>
-          <p:cNvPicPr/>
-          <p:nvPr/>
-        </p:nvPicPr>
-        <p:blipFill>
-          <a:blip r:embed="rId1" cstate="print"/>
-          <a:stretch>
-            <a:fillRect/>
-          </a:stretch>
-        </p:blipFill>
-        <p:spPr>
-          <a:xfrm>
-            <a:off x="11495531" y="6184391"/>
-            <a:ext cx="451103" cy="449579"/>
-          </a:xfrm>
-          <a:prstGeom prst="rect">
-            <a:avLst/>
-          </a:prstGeom>
-        </p:spPr>
-      </p:pic>
       <p:sp>
         <p:nvSpPr>
           <p:cNvPr id="8" name="Slide Number Placeholder 7"/>
@@ -4073,7 +4051,7 @@
           </p:nvPr>
         </p:nvPicPr>
         <p:blipFill>
-          <a:blip r:embed="rId2"/>
+          <a:blip r:embed="rId1"/>
           <a:stretch>
             <a:fillRect/>
           </a:stretch>
@@ -4170,34 +4148,12 @@
       </p:sp>
       <p:pic>
         <p:nvPicPr>
-          <p:cNvPr id="3" name="object 3"/>
+          <p:cNvPr id="4" name="object 4"/>
           <p:cNvPicPr/>
           <p:nvPr/>
         </p:nvPicPr>
         <p:blipFill>
           <a:blip r:embed="rId1" cstate="print"/>
-          <a:stretch>
-            <a:fillRect/>
-          </a:stretch>
-        </p:blipFill>
-        <p:spPr>
-          <a:xfrm>
-            <a:off x="11495531" y="6184391"/>
-            <a:ext cx="451103" cy="449579"/>
-          </a:xfrm>
-          <a:prstGeom prst="rect">
-            <a:avLst/>
-          </a:prstGeom>
-        </p:spPr>
-      </p:pic>
-      <p:pic>
-        <p:nvPicPr>
-          <p:cNvPr id="4" name="object 4"/>
-          <p:cNvPicPr/>
-          <p:nvPr/>
-        </p:nvPicPr>
-        <p:blipFill>
-          <a:blip r:embed="rId2" cstate="print"/>
           <a:stretch>
             <a:fillRect/>
           </a:stretch>
@@ -4276,7 +4232,7 @@
           <p:nvPr/>
         </p:nvPicPr>
         <p:blipFill>
-          <a:blip r:embed="rId3" cstate="print"/>
+          <a:blip r:embed="rId2" cstate="print"/>
           <a:stretch>
             <a:fillRect/>
           </a:stretch>
@@ -4504,7 +4460,7 @@
           <p:nvPr/>
         </p:nvPicPr>
         <p:blipFill>
-          <a:blip r:embed="rId3" cstate="print"/>
+          <a:blip r:embed="rId2" cstate="print"/>
           <a:stretch>
             <a:fillRect/>
           </a:stretch>
@@ -5045,7 +5001,7 @@
           <p:nvPr/>
         </p:nvPicPr>
         <p:blipFill>
-          <a:blip r:embed="rId3" cstate="print"/>
+          <a:blip r:embed="rId2" cstate="print"/>
           <a:stretch>
             <a:fillRect/>
           </a:stretch>
@@ -7301,28 +7257,6 @@
           <a:p/>
         </p:txBody>
       </p:sp>
-      <p:pic>
-        <p:nvPicPr>
-          <p:cNvPr id="3" name="object 3"/>
-          <p:cNvPicPr/>
-          <p:nvPr/>
-        </p:nvPicPr>
-        <p:blipFill>
-          <a:blip r:embed="rId1" cstate="print"/>
-          <a:stretch>
-            <a:fillRect/>
-          </a:stretch>
-        </p:blipFill>
-        <p:spPr>
-          <a:xfrm>
-            <a:off x="11495531" y="6184391"/>
-            <a:ext cx="451103" cy="449579"/>
-          </a:xfrm>
-          <a:prstGeom prst="rect">
-            <a:avLst/>
-          </a:prstGeom>
-        </p:spPr>
-      </p:pic>
       <p:sp>
         <p:nvSpPr>
           <p:cNvPr id="4" name="object 4"/>
@@ -8559,28 +8493,6 @@
           <a:p/>
         </p:txBody>
       </p:sp>
-      <p:pic>
-        <p:nvPicPr>
-          <p:cNvPr id="3" name="object 3"/>
-          <p:cNvPicPr/>
-          <p:nvPr/>
-        </p:nvPicPr>
-        <p:blipFill>
-          <a:blip r:embed="rId1" cstate="print"/>
-          <a:stretch>
-            <a:fillRect/>
-          </a:stretch>
-        </p:blipFill>
-        <p:spPr>
-          <a:xfrm>
-            <a:off x="11495531" y="6184391"/>
-            <a:ext cx="451103" cy="449579"/>
-          </a:xfrm>
-          <a:prstGeom prst="rect">
-            <a:avLst/>
-          </a:prstGeom>
-        </p:spPr>
-      </p:pic>
       <p:sp>
         <p:nvSpPr>
           <p:cNvPr id="4" name="object 4"/>
@@ -8963,28 +8875,6 @@
           <a:p/>
         </p:txBody>
       </p:sp>
-      <p:pic>
-        <p:nvPicPr>
-          <p:cNvPr id="3" name="object 3"/>
-          <p:cNvPicPr/>
-          <p:nvPr/>
-        </p:nvPicPr>
-        <p:blipFill>
-          <a:blip r:embed="rId1" cstate="print"/>
-          <a:stretch>
-            <a:fillRect/>
-          </a:stretch>
-        </p:blipFill>
-        <p:spPr>
-          <a:xfrm>
-            <a:off x="11495531" y="6184391"/>
-            <a:ext cx="451103" cy="449579"/>
-          </a:xfrm>
-          <a:prstGeom prst="rect">
-            <a:avLst/>
-          </a:prstGeom>
-        </p:spPr>
-      </p:pic>
       <p:sp>
         <p:nvSpPr>
           <p:cNvPr id="4" name="object 4"/>
@@ -9485,28 +9375,6 @@
           <a:p/>
         </p:txBody>
       </p:sp>
-      <p:pic>
-        <p:nvPicPr>
-          <p:cNvPr id="3" name="object 3"/>
-          <p:cNvPicPr/>
-          <p:nvPr/>
-        </p:nvPicPr>
-        <p:blipFill>
-          <a:blip r:embed="rId1" cstate="print"/>
-          <a:stretch>
-            <a:fillRect/>
-          </a:stretch>
-        </p:blipFill>
-        <p:spPr>
-          <a:xfrm>
-            <a:off x="11495531" y="6184391"/>
-            <a:ext cx="451103" cy="449579"/>
-          </a:xfrm>
-          <a:prstGeom prst="rect">
-            <a:avLst/>
-          </a:prstGeom>
-        </p:spPr>
-      </p:pic>
       <p:sp>
         <p:nvSpPr>
           <p:cNvPr id="4" name="object 4"/>
@@ -11294,28 +11162,6 @@
           <a:p/>
         </p:txBody>
       </p:sp>
-      <p:pic>
-        <p:nvPicPr>
-          <p:cNvPr id="3" name="object 3"/>
-          <p:cNvPicPr/>
-          <p:nvPr/>
-        </p:nvPicPr>
-        <p:blipFill>
-          <a:blip r:embed="rId1" cstate="print"/>
-          <a:stretch>
-            <a:fillRect/>
-          </a:stretch>
-        </p:blipFill>
-        <p:spPr>
-          <a:xfrm>
-            <a:off x="11495531" y="6184391"/>
-            <a:ext cx="451103" cy="449579"/>
-          </a:xfrm>
-          <a:prstGeom prst="rect">
-            <a:avLst/>
-          </a:prstGeom>
-        </p:spPr>
-      </p:pic>
       <p:sp>
         <p:nvSpPr>
           <p:cNvPr id="4" name="object 4"/>
@@ -11939,28 +11785,6 @@
           <a:p/>
         </p:txBody>
       </p:sp>
-      <p:pic>
-        <p:nvPicPr>
-          <p:cNvPr id="3" name="object 3"/>
-          <p:cNvPicPr/>
-          <p:nvPr/>
-        </p:nvPicPr>
-        <p:blipFill>
-          <a:blip r:embed="rId1" cstate="print"/>
-          <a:stretch>
-            <a:fillRect/>
-          </a:stretch>
-        </p:blipFill>
-        <p:spPr>
-          <a:xfrm>
-            <a:off x="11495531" y="6184391"/>
-            <a:ext cx="451103" cy="449579"/>
-          </a:xfrm>
-          <a:prstGeom prst="rect">
-            <a:avLst/>
-          </a:prstGeom>
-        </p:spPr>
-      </p:pic>
       <p:sp>
         <p:nvSpPr>
           <p:cNvPr id="4" name="object 4"/>
@@ -12367,28 +12191,6 @@
           <a:p/>
         </p:txBody>
       </p:sp>
-      <p:pic>
-        <p:nvPicPr>
-          <p:cNvPr id="3" name="object 3"/>
-          <p:cNvPicPr/>
-          <p:nvPr/>
-        </p:nvPicPr>
-        <p:blipFill>
-          <a:blip r:embed="rId1" cstate="print"/>
-          <a:stretch>
-            <a:fillRect/>
-          </a:stretch>
-        </p:blipFill>
-        <p:spPr>
-          <a:xfrm>
-            <a:off x="11495531" y="6184391"/>
-            <a:ext cx="451103" cy="449579"/>
-          </a:xfrm>
-          <a:prstGeom prst="rect">
-            <a:avLst/>
-          </a:prstGeom>
-        </p:spPr>
-      </p:pic>
       <p:sp>
         <p:nvSpPr>
           <p:cNvPr id="4" name="object 4"/>
@@ -13058,28 +12860,6 @@
           <a:p/>
         </p:txBody>
       </p:sp>
-      <p:pic>
-        <p:nvPicPr>
-          <p:cNvPr id="3" name="object 3"/>
-          <p:cNvPicPr/>
-          <p:nvPr/>
-        </p:nvPicPr>
-        <p:blipFill>
-          <a:blip r:embed="rId1" cstate="print"/>
-          <a:stretch>
-            <a:fillRect/>
-          </a:stretch>
-        </p:blipFill>
-        <p:spPr>
-          <a:xfrm>
-            <a:off x="11495531" y="6184391"/>
-            <a:ext cx="451103" cy="449579"/>
-          </a:xfrm>
-          <a:prstGeom prst="rect">
-            <a:avLst/>
-          </a:prstGeom>
-        </p:spPr>
-      </p:pic>
       <p:sp>
         <p:nvSpPr>
           <p:cNvPr id="4" name="object 4"/>
@@ -14014,28 +13794,6 @@
           <a:p/>
         </p:txBody>
       </p:sp>
-      <p:pic>
-        <p:nvPicPr>
-          <p:cNvPr id="3" name="object 3"/>
-          <p:cNvPicPr/>
-          <p:nvPr/>
-        </p:nvPicPr>
-        <p:blipFill>
-          <a:blip r:embed="rId1" cstate="print"/>
-          <a:stretch>
-            <a:fillRect/>
-          </a:stretch>
-        </p:blipFill>
-        <p:spPr>
-          <a:xfrm>
-            <a:off x="11495531" y="6184391"/>
-            <a:ext cx="451103" cy="449579"/>
-          </a:xfrm>
-          <a:prstGeom prst="rect">
-            <a:avLst/>
-          </a:prstGeom>
-        </p:spPr>
-      </p:pic>
       <p:sp>
         <p:nvSpPr>
           <p:cNvPr id="4" name="object 4"/>
@@ -15111,28 +14869,6 @@
           <a:p/>
         </p:txBody>
       </p:sp>
-      <p:pic>
-        <p:nvPicPr>
-          <p:cNvPr id="3" name="object 3"/>
-          <p:cNvPicPr/>
-          <p:nvPr/>
-        </p:nvPicPr>
-        <p:blipFill>
-          <a:blip r:embed="rId1" cstate="print"/>
-          <a:stretch>
-            <a:fillRect/>
-          </a:stretch>
-        </p:blipFill>
-        <p:spPr>
-          <a:xfrm>
-            <a:off x="11495531" y="6184391"/>
-            <a:ext cx="451103" cy="449579"/>
-          </a:xfrm>
-          <a:prstGeom prst="rect">
-            <a:avLst/>
-          </a:prstGeom>
-        </p:spPr>
-      </p:pic>
       <p:sp>
         <p:nvSpPr>
           <p:cNvPr id="4" name="object 4"/>
@@ -15760,28 +15496,6 @@
           <a:p/>
         </p:txBody>
       </p:sp>
-      <p:pic>
-        <p:nvPicPr>
-          <p:cNvPr id="3" name="object 3"/>
-          <p:cNvPicPr/>
-          <p:nvPr/>
-        </p:nvPicPr>
-        <p:blipFill>
-          <a:blip r:embed="rId1" cstate="print"/>
-          <a:stretch>
-            <a:fillRect/>
-          </a:stretch>
-        </p:blipFill>
-        <p:spPr>
-          <a:xfrm>
-            <a:off x="11495531" y="6184391"/>
-            <a:ext cx="451103" cy="449579"/>
-          </a:xfrm>
-          <a:prstGeom prst="rect">
-            <a:avLst/>
-          </a:prstGeom>
-        </p:spPr>
-      </p:pic>
       <p:sp>
         <p:nvSpPr>
           <p:cNvPr id="4" name="object 4"/>
@@ -17016,28 +16730,6 @@
           <a:p/>
         </p:txBody>
       </p:sp>
-      <p:pic>
-        <p:nvPicPr>
-          <p:cNvPr id="3" name="object 3"/>
-          <p:cNvPicPr/>
-          <p:nvPr/>
-        </p:nvPicPr>
-        <p:blipFill>
-          <a:blip r:embed="rId1" cstate="print"/>
-          <a:stretch>
-            <a:fillRect/>
-          </a:stretch>
-        </p:blipFill>
-        <p:spPr>
-          <a:xfrm>
-            <a:off x="11495531" y="6184391"/>
-            <a:ext cx="451103" cy="449579"/>
-          </a:xfrm>
-          <a:prstGeom prst="rect">
-            <a:avLst/>
-          </a:prstGeom>
-        </p:spPr>
-      </p:pic>
       <p:sp>
         <p:nvSpPr>
           <p:cNvPr id="4" name="object 4"/>
@@ -22008,28 +21700,6 @@
           <a:p/>
         </p:txBody>
       </p:sp>
-      <p:pic>
-        <p:nvPicPr>
-          <p:cNvPr id="3" name="object 3"/>
-          <p:cNvPicPr/>
-          <p:nvPr/>
-        </p:nvPicPr>
-        <p:blipFill>
-          <a:blip r:embed="rId1" cstate="print"/>
-          <a:stretch>
-            <a:fillRect/>
-          </a:stretch>
-        </p:blipFill>
-        <p:spPr>
-          <a:xfrm>
-            <a:off x="11495531" y="6184391"/>
-            <a:ext cx="451103" cy="449579"/>
-          </a:xfrm>
-          <a:prstGeom prst="rect">
-            <a:avLst/>
-          </a:prstGeom>
-        </p:spPr>
-      </p:pic>
       <p:sp>
         <p:nvSpPr>
           <p:cNvPr id="4" name="object 4"/>
@@ -22352,7 +22022,7 @@
             <p:nvPr/>
           </p:nvPicPr>
           <p:blipFill>
-            <a:blip r:embed="rId2" cstate="print"/>
+            <a:blip r:embed="rId1" cstate="print"/>
             <a:stretch>
               <a:fillRect/>
             </a:stretch>
@@ -22425,7 +22095,7 @@
           <p:nvPr/>
         </p:nvPicPr>
         <p:blipFill>
-          <a:blip r:embed="rId3" cstate="print"/>
+          <a:blip r:embed="rId2" cstate="print"/>
           <a:stretch>
             <a:fillRect/>
           </a:stretch>
@@ -29525,28 +29195,6 @@
           <a:p/>
         </p:txBody>
       </p:sp>
-      <p:pic>
-        <p:nvPicPr>
-          <p:cNvPr id="3" name="object 3"/>
-          <p:cNvPicPr/>
-          <p:nvPr/>
-        </p:nvPicPr>
-        <p:blipFill>
-          <a:blip r:embed="rId1" cstate="print"/>
-          <a:stretch>
-            <a:fillRect/>
-          </a:stretch>
-        </p:blipFill>
-        <p:spPr>
-          <a:xfrm>
-            <a:off x="11495531" y="6184391"/>
-            <a:ext cx="451103" cy="449579"/>
-          </a:xfrm>
-          <a:prstGeom prst="rect">
-            <a:avLst/>
-          </a:prstGeom>
-        </p:spPr>
-      </p:pic>
       <p:sp>
         <p:nvSpPr>
           <p:cNvPr id="4" name="object 4"/>
@@ -32408,28 +32056,6 @@
           <a:p/>
         </p:txBody>
       </p:sp>
-      <p:pic>
-        <p:nvPicPr>
-          <p:cNvPr id="3" name="object 3"/>
-          <p:cNvPicPr/>
-          <p:nvPr/>
-        </p:nvPicPr>
-        <p:blipFill>
-          <a:blip r:embed="rId1" cstate="print"/>
-          <a:stretch>
-            <a:fillRect/>
-          </a:stretch>
-        </p:blipFill>
-        <p:spPr>
-          <a:xfrm>
-            <a:off x="11495531" y="6184391"/>
-            <a:ext cx="451103" cy="449579"/>
-          </a:xfrm>
-          <a:prstGeom prst="rect">
-            <a:avLst/>
-          </a:prstGeom>
-        </p:spPr>
-      </p:pic>
       <p:sp>
         <p:nvSpPr>
           <p:cNvPr id="4" name="object 4"/>
@@ -33032,7 +32658,7 @@
           <p:nvPr/>
         </p:nvPicPr>
         <p:blipFill>
-          <a:blip r:embed="rId2" cstate="print"/>
+          <a:blip r:embed="rId1" cstate="print"/>
           <a:stretch>
             <a:fillRect/>
           </a:stretch>
